--- a/Medi-Aid.pptx
+++ b/Medi-Aid.pptx
@@ -335,7 +335,7 @@
             <a:fld id="{1D8BD707-D9CF-40AE-B4C6-C98DA3205C09}" type="datetimeFigureOut">
               <a:rPr lang="en-US" smtClean="0"/>
               <a:pPr/>
-              <a:t>5/13/2024</a:t>
+              <a:t>5/14/2024</a:t>
             </a:fld>
             <a:endParaRPr lang="en-US"/>
           </a:p>
@@ -500,7 +500,7 @@
             <a:fld id="{1D8BD707-D9CF-40AE-B4C6-C98DA3205C09}" type="datetimeFigureOut">
               <a:rPr lang="en-US" smtClean="0"/>
               <a:pPr/>
-              <a:t>5/13/2024</a:t>
+              <a:t>5/14/2024</a:t>
             </a:fld>
             <a:endParaRPr lang="en-US"/>
           </a:p>
@@ -675,7 +675,7 @@
             <a:fld id="{1D8BD707-D9CF-40AE-B4C6-C98DA3205C09}" type="datetimeFigureOut">
               <a:rPr lang="en-US" smtClean="0"/>
               <a:pPr/>
-              <a:t>5/13/2024</a:t>
+              <a:t>5/14/2024</a:t>
             </a:fld>
             <a:endParaRPr lang="en-US"/>
           </a:p>
@@ -840,7 +840,7 @@
             <a:fld id="{1D8BD707-D9CF-40AE-B4C6-C98DA3205C09}" type="datetimeFigureOut">
               <a:rPr lang="en-US" smtClean="0"/>
               <a:pPr/>
-              <a:t>5/13/2024</a:t>
+              <a:t>5/14/2024</a:t>
             </a:fld>
             <a:endParaRPr lang="en-US"/>
           </a:p>
@@ -1082,7 +1082,7 @@
             <a:fld id="{1D8BD707-D9CF-40AE-B4C6-C98DA3205C09}" type="datetimeFigureOut">
               <a:rPr lang="en-US" smtClean="0"/>
               <a:pPr/>
-              <a:t>5/13/2024</a:t>
+              <a:t>5/14/2024</a:t>
             </a:fld>
             <a:endParaRPr lang="en-US"/>
           </a:p>
@@ -1364,7 +1364,7 @@
             <a:fld id="{1D8BD707-D9CF-40AE-B4C6-C98DA3205C09}" type="datetimeFigureOut">
               <a:rPr lang="en-US" smtClean="0"/>
               <a:pPr/>
-              <a:t>5/13/2024</a:t>
+              <a:t>5/14/2024</a:t>
             </a:fld>
             <a:endParaRPr lang="en-US"/>
           </a:p>
@@ -1780,7 +1780,7 @@
             <a:fld id="{1D8BD707-D9CF-40AE-B4C6-C98DA3205C09}" type="datetimeFigureOut">
               <a:rPr lang="en-US" smtClean="0"/>
               <a:pPr/>
-              <a:t>5/13/2024</a:t>
+              <a:t>5/14/2024</a:t>
             </a:fld>
             <a:endParaRPr lang="en-US"/>
           </a:p>
@@ -1894,7 +1894,7 @@
             <a:fld id="{1D8BD707-D9CF-40AE-B4C6-C98DA3205C09}" type="datetimeFigureOut">
               <a:rPr lang="en-US" smtClean="0"/>
               <a:pPr/>
-              <a:t>5/13/2024</a:t>
+              <a:t>5/14/2024</a:t>
             </a:fld>
             <a:endParaRPr lang="en-US"/>
           </a:p>
@@ -1986,7 +1986,7 @@
             <a:fld id="{1D8BD707-D9CF-40AE-B4C6-C98DA3205C09}" type="datetimeFigureOut">
               <a:rPr lang="en-US" smtClean="0"/>
               <a:pPr/>
-              <a:t>5/13/2024</a:t>
+              <a:t>5/14/2024</a:t>
             </a:fld>
             <a:endParaRPr lang="en-US"/>
           </a:p>
@@ -2258,7 +2258,7 @@
             <a:fld id="{1D8BD707-D9CF-40AE-B4C6-C98DA3205C09}" type="datetimeFigureOut">
               <a:rPr lang="en-US" smtClean="0"/>
               <a:pPr/>
-              <a:t>5/13/2024</a:t>
+              <a:t>5/14/2024</a:t>
             </a:fld>
             <a:endParaRPr lang="en-US"/>
           </a:p>
@@ -2507,7 +2507,7 @@
             <a:fld id="{1D8BD707-D9CF-40AE-B4C6-C98DA3205C09}" type="datetimeFigureOut">
               <a:rPr lang="en-US" smtClean="0"/>
               <a:pPr/>
-              <a:t>5/13/2024</a:t>
+              <a:t>5/14/2024</a:t>
             </a:fld>
             <a:endParaRPr lang="en-US"/>
           </a:p>
@@ -2715,7 +2715,7 @@
             <a:fld id="{1D8BD707-D9CF-40AE-B4C6-C98DA3205C09}" type="datetimeFigureOut">
               <a:rPr lang="en-US" smtClean="0"/>
               <a:pPr/>
-              <a:t>5/13/2024</a:t>
+              <a:t>5/14/2024</a:t>
             </a:fld>
             <a:endParaRPr lang="en-US"/>
           </a:p>
@@ -13920,6 +13920,36 @@
           </a:p>
         </p:txBody>
       </p:sp>
+      <p:pic>
+        <p:nvPicPr>
+          <p:cNvPr id="3" name="Picture 2">
+            <a:extLst>
+              <a:ext uri="{FF2B5EF4-FFF2-40B4-BE49-F238E27FC236}">
+                <a16:creationId xmlns:a16="http://schemas.microsoft.com/office/drawing/2014/main" id="{AA1FC940-379C-1D97-AD72-9D0A58D8EE51}"/>
+              </a:ext>
+            </a:extLst>
+          </p:cNvPr>
+          <p:cNvPicPr>
+            <a:picLocks noChangeAspect="1"/>
+          </p:cNvPicPr>
+          <p:nvPr/>
+        </p:nvPicPr>
+        <p:blipFill>
+          <a:blip r:embed="rId8"/>
+          <a:stretch>
+            <a:fillRect/>
+          </a:stretch>
+        </p:blipFill>
+        <p:spPr>
+          <a:xfrm>
+            <a:off x="5609192" y="3296521"/>
+            <a:ext cx="11135758" cy="5496221"/>
+          </a:xfrm>
+          <a:prstGeom prst="rect">
+            <a:avLst/>
+          </a:prstGeom>
+        </p:spPr>
+      </p:pic>
     </p:spTree>
     <p:extLst>
       <p:ext uri="{BB962C8B-B14F-4D97-AF65-F5344CB8AC3E}">
